--- a/Презентация.pptx
+++ b/Презентация.pptx
@@ -16902,7 +16902,7 @@
                 </a:solidFill>
                 <a:latin typeface="IBM Plex Sans" panose="020B0604020202020204" charset="0"/>
               </a:rPr>
-              <a:t>Для верификации бота на сервера ему понадобятся правда администратора.</a:t>
+              <a:t>Для верификации бота на сервера ему понадобятся права администратора.</a:t>
             </a:r>
           </a:p>
           <a:p>
@@ -17278,7 +17278,7 @@
               <a:rPr lang="ru-RU" dirty="0">
                 <a:latin typeface="IBM Plex Sans" panose="020B0604020202020204" charset="0"/>
               </a:rPr>
-              <a:t>Добавление ДБ.</a:t>
+              <a:t>Добавление БД.</a:t>
             </a:r>
           </a:p>
           <a:p>
